--- a/Meeting/Meeting_v02.pptx
+++ b/Meeting/Meeting_v02.pptx
@@ -217,7 +217,7 @@
           <a:p>
             <a:fld id="{9764E535-D103-420C-A3C8-BED39E8AE0DF}" type="datetimeFigureOut">
               <a:rPr lang="hu-HU" smtClean="0"/>
-              <a:t>2023. 01. 26.</a:t>
+              <a:t>2023. 01. 27.</a:t>
             </a:fld>
             <a:endParaRPr lang="hu-HU"/>
           </a:p>
@@ -802,7 +802,7 @@
           <a:p>
             <a:fld id="{489BD6FE-51DD-461E-8822-A356448EC8B6}" type="datetimeFigureOut">
               <a:rPr lang="hu-HU" smtClean="0"/>
-              <a:t>2023. 01. 26.</a:t>
+              <a:t>2023. 01. 27.</a:t>
             </a:fld>
             <a:endParaRPr lang="hu-HU"/>
           </a:p>
@@ -1059,7 +1059,7 @@
           <a:p>
             <a:fld id="{489BD6FE-51DD-461E-8822-A356448EC8B6}" type="datetimeFigureOut">
               <a:rPr lang="hu-HU" smtClean="0"/>
-              <a:t>2023. 01. 26.</a:t>
+              <a:t>2023. 01. 27.</a:t>
             </a:fld>
             <a:endParaRPr lang="hu-HU"/>
           </a:p>
@@ -1242,7 +1242,7 @@
           <a:p>
             <a:fld id="{489BD6FE-51DD-461E-8822-A356448EC8B6}" type="datetimeFigureOut">
               <a:rPr lang="hu-HU" smtClean="0"/>
-              <a:t>2023. 01. 26.</a:t>
+              <a:t>2023. 01. 27.</a:t>
             </a:fld>
             <a:endParaRPr lang="hu-HU"/>
           </a:p>
@@ -1431,7 +1431,7 @@
           <a:p>
             <a:fld id="{489BD6FE-51DD-461E-8822-A356448EC8B6}" type="datetimeFigureOut">
               <a:rPr lang="hu-HU" smtClean="0"/>
-              <a:t>2023. 01. 26.</a:t>
+              <a:t>2023. 01. 27.</a:t>
             </a:fld>
             <a:endParaRPr lang="hu-HU"/>
           </a:p>
@@ -1757,7 +1757,7 @@
           <a:p>
             <a:fld id="{489BD6FE-51DD-461E-8822-A356448EC8B6}" type="datetimeFigureOut">
               <a:rPr lang="hu-HU" smtClean="0"/>
-              <a:t>2023. 01. 26.</a:t>
+              <a:t>2023. 01. 27.</a:t>
             </a:fld>
             <a:endParaRPr lang="hu-HU"/>
           </a:p>
@@ -1997,7 +1997,7 @@
           <a:p>
             <a:fld id="{489BD6FE-51DD-461E-8822-A356448EC8B6}" type="datetimeFigureOut">
               <a:rPr lang="hu-HU" smtClean="0"/>
-              <a:t>2023. 01. 26.</a:t>
+              <a:t>2023. 01. 27.</a:t>
             </a:fld>
             <a:endParaRPr lang="hu-HU"/>
           </a:p>
@@ -2367,7 +2367,7 @@
           <a:p>
             <a:fld id="{489BD6FE-51DD-461E-8822-A356448EC8B6}" type="datetimeFigureOut">
               <a:rPr lang="hu-HU" smtClean="0"/>
-              <a:t>2023. 01. 26.</a:t>
+              <a:t>2023. 01. 27.</a:t>
             </a:fld>
             <a:endParaRPr lang="hu-HU"/>
           </a:p>
@@ -2493,7 +2493,7 @@
           <a:p>
             <a:fld id="{489BD6FE-51DD-461E-8822-A356448EC8B6}" type="datetimeFigureOut">
               <a:rPr lang="hu-HU" smtClean="0"/>
-              <a:t>2023. 01. 26.</a:t>
+              <a:t>2023. 01. 27.</a:t>
             </a:fld>
             <a:endParaRPr lang="hu-HU"/>
           </a:p>
@@ -2588,7 +2588,7 @@
           <a:p>
             <a:fld id="{489BD6FE-51DD-461E-8822-A356448EC8B6}" type="datetimeFigureOut">
               <a:rPr lang="hu-HU" smtClean="0"/>
-              <a:t>2023. 01. 26.</a:t>
+              <a:t>2023. 01. 27.</a:t>
             </a:fld>
             <a:endParaRPr lang="hu-HU"/>
           </a:p>
@@ -2868,7 +2868,7 @@
           <a:p>
             <a:fld id="{489BD6FE-51DD-461E-8822-A356448EC8B6}" type="datetimeFigureOut">
               <a:rPr lang="hu-HU" smtClean="0"/>
-              <a:t>2023. 01. 26.</a:t>
+              <a:t>2023. 01. 27.</a:t>
             </a:fld>
             <a:endParaRPr lang="hu-HU"/>
           </a:p>
@@ -3128,7 +3128,7 @@
           <a:p>
             <a:fld id="{489BD6FE-51DD-461E-8822-A356448EC8B6}" type="datetimeFigureOut">
               <a:rPr lang="hu-HU" smtClean="0"/>
-              <a:t>2023. 01. 26.</a:t>
+              <a:t>2023. 01. 27.</a:t>
             </a:fld>
             <a:endParaRPr lang="hu-HU"/>
           </a:p>
@@ -3341,7 +3341,7 @@
           <a:p>
             <a:fld id="{489BD6FE-51DD-461E-8822-A356448EC8B6}" type="datetimeFigureOut">
               <a:rPr lang="hu-HU" smtClean="0"/>
-              <a:t>2023. 01. 26.</a:t>
+              <a:t>2023. 01. 27.</a:t>
             </a:fld>
             <a:endParaRPr lang="hu-HU"/>
           </a:p>
@@ -4774,7 +4774,7 @@
           <p:nvPr>
             <p:extLst>
               <p:ext uri="{D42A27DB-BD31-4B8C-83A1-F6EECF244321}">
-                <p14:modId xmlns:p14="http://schemas.microsoft.com/office/powerpoint/2010/main" val="3936241759"/>
+                <p14:modId xmlns:p14="http://schemas.microsoft.com/office/powerpoint/2010/main" val="455572464"/>
               </p:ext>
             </p:extLst>
           </p:nvPr>
@@ -4932,12 +4932,12 @@
                         <a:t></a:t>
                       </a:r>
                       <a:r>
-                        <a:rPr lang="hu-HU" dirty="0" err="1">
+                        <a:rPr lang="hu-HU">
                           <a:solidFill>
                             <a:schemeClr val="tx1"/>
                           </a:solidFill>
                         </a:rPr>
-                        <a:t>Telekconf</a:t>
+                        <a:t>Teleconf</a:t>
                       </a:r>
                       <a:endParaRPr lang="hu-HU" dirty="0">
                         <a:solidFill>
